--- a/Notes/Powerpoints/Prototype.pptx
+++ b/Notes/Powerpoints/Prototype.pptx
@@ -128,6 +128,61 @@
 
 <file path=ppt/changesInfos/changesInfo1.xml><?xml version="1.0" encoding="utf-8"?>
 <pc:chgInfo xmlns:a="http://schemas.openxmlformats.org/drawingml/2006/main" xmlns:r="http://schemas.openxmlformats.org/officeDocument/2006/relationships" xmlns:ac="http://schemas.microsoft.com/office/drawing/2013/main/command" xmlns:pc="http://schemas.microsoft.com/office/powerpoint/2013/main/command">
+  <pc:docChgLst>
+    <pc:chgData name="Cory Melendez" userId="6d3e901a-8604-460e-b419-46d12b5ab316" providerId="ADAL" clId="{578B02CD-0C8E-435E-B478-C4B6D7975939}"/>
+    <pc:docChg chg="undo custSel addSld delSld modSld">
+      <pc:chgData name="Cory Melendez" userId="6d3e901a-8604-460e-b419-46d12b5ab316" providerId="ADAL" clId="{578B02CD-0C8E-435E-B478-C4B6D7975939}" dt="2019-05-17T20:32:08.414" v="1471" actId="2696"/>
+      <pc:docMkLst>
+        <pc:docMk/>
+      </pc:docMkLst>
+      <pc:sldChg chg="modSp">
+        <pc:chgData name="Cory Melendez" userId="6d3e901a-8604-460e-b419-46d12b5ab316" providerId="ADAL" clId="{578B02CD-0C8E-435E-B478-C4B6D7975939}" dt="2019-05-17T18:29:34.308" v="149" actId="20577"/>
+        <pc:sldMkLst>
+          <pc:docMk/>
+          <pc:sldMk cId="3276895302" sldId="256"/>
+        </pc:sldMkLst>
+        <pc:spChg chg="mod">
+          <ac:chgData name="Cory Melendez" userId="6d3e901a-8604-460e-b419-46d12b5ab316" providerId="ADAL" clId="{578B02CD-0C8E-435E-B478-C4B6D7975939}" dt="2019-05-17T18:18:24.174" v="74" actId="20577"/>
+          <ac:spMkLst>
+            <pc:docMk/>
+            <pc:sldMk cId="3276895302" sldId="256"/>
+            <ac:spMk id="2" creationId="{1F0E3005-E7D0-471D-8EBA-5DADA2960E16}"/>
+          </ac:spMkLst>
+        </pc:spChg>
+        <pc:spChg chg="mod">
+          <ac:chgData name="Cory Melendez" userId="6d3e901a-8604-460e-b419-46d12b5ab316" providerId="ADAL" clId="{578B02CD-0C8E-435E-B478-C4B6D7975939}" dt="2019-05-17T18:29:34.308" v="149" actId="20577"/>
+          <ac:spMkLst>
+            <pc:docMk/>
+            <pc:sldMk cId="3276895302" sldId="256"/>
+            <ac:spMk id="3" creationId="{EB069580-9515-4CA1-99E8-D9604888B24F}"/>
+          </ac:spMkLst>
+        </pc:spChg>
+      </pc:sldChg>
+      <pc:sldChg chg="modSp add">
+        <pc:chgData name="Cory Melendez" userId="6d3e901a-8604-460e-b419-46d12b5ab316" providerId="ADAL" clId="{578B02CD-0C8E-435E-B478-C4B6D7975939}" dt="2019-05-17T19:20:30.923" v="699" actId="20577"/>
+        <pc:sldMkLst>
+          <pc:docMk/>
+          <pc:sldMk cId="2107916926" sldId="258"/>
+        </pc:sldMkLst>
+        <pc:spChg chg="mod">
+          <ac:chgData name="Cory Melendez" userId="6d3e901a-8604-460e-b419-46d12b5ab316" providerId="ADAL" clId="{578B02CD-0C8E-435E-B478-C4B6D7975939}" dt="2019-05-17T19:17:31.881" v="171" actId="20577"/>
+          <ac:spMkLst>
+            <pc:docMk/>
+            <pc:sldMk cId="2107916926" sldId="258"/>
+            <ac:spMk id="2" creationId="{2ECBD130-1D48-4AF3-A3A8-C5133E2A75A3}"/>
+          </ac:spMkLst>
+        </pc:spChg>
+        <pc:spChg chg="mod">
+          <ac:chgData name="Cory Melendez" userId="6d3e901a-8604-460e-b419-46d12b5ab316" providerId="ADAL" clId="{578B02CD-0C8E-435E-B478-C4B6D7975939}" dt="2019-05-17T19:20:30.923" v="699" actId="20577"/>
+          <ac:spMkLst>
+            <pc:docMk/>
+            <pc:sldMk cId="2107916926" sldId="258"/>
+            <ac:spMk id="3" creationId="{90753FE7-C125-47BF-A574-43D69C7586C9}"/>
+          </ac:spMkLst>
+        </pc:spChg>
+      </pc:sldChg>
+    </pc:docChg>
+  </pc:docChgLst>
   <pc:docChgLst>
     <pc:chgData name="Melendez, Cory" userId="6d3e901a-8604-460e-b419-46d12b5ab316" providerId="ADAL" clId="{AC19ACBB-FC75-48D6-B700-9CE0C13EBADA}"/>
     <pc:docChg chg="undo custSel addSld delSld modSld">
@@ -330,61 +385,6 @@
           <pc:docMk/>
           <pc:sldMk cId="3139150838" sldId="265"/>
         </pc:sldMkLst>
-      </pc:sldChg>
-    </pc:docChg>
-  </pc:docChgLst>
-  <pc:docChgLst>
-    <pc:chgData name="Cory Melendez" userId="6d3e901a-8604-460e-b419-46d12b5ab316" providerId="ADAL" clId="{578B02CD-0C8E-435E-B478-C4B6D7975939}"/>
-    <pc:docChg chg="undo custSel addSld delSld modSld">
-      <pc:chgData name="Cory Melendez" userId="6d3e901a-8604-460e-b419-46d12b5ab316" providerId="ADAL" clId="{578B02CD-0C8E-435E-B478-C4B6D7975939}" dt="2019-05-17T20:32:08.414" v="1471" actId="2696"/>
-      <pc:docMkLst>
-        <pc:docMk/>
-      </pc:docMkLst>
-      <pc:sldChg chg="modSp">
-        <pc:chgData name="Cory Melendez" userId="6d3e901a-8604-460e-b419-46d12b5ab316" providerId="ADAL" clId="{578B02CD-0C8E-435E-B478-C4B6D7975939}" dt="2019-05-17T18:29:34.308" v="149" actId="20577"/>
-        <pc:sldMkLst>
-          <pc:docMk/>
-          <pc:sldMk cId="3276895302" sldId="256"/>
-        </pc:sldMkLst>
-        <pc:spChg chg="mod">
-          <ac:chgData name="Cory Melendez" userId="6d3e901a-8604-460e-b419-46d12b5ab316" providerId="ADAL" clId="{578B02CD-0C8E-435E-B478-C4B6D7975939}" dt="2019-05-17T18:18:24.174" v="74" actId="20577"/>
-          <ac:spMkLst>
-            <pc:docMk/>
-            <pc:sldMk cId="3276895302" sldId="256"/>
-            <ac:spMk id="2" creationId="{1F0E3005-E7D0-471D-8EBA-5DADA2960E16}"/>
-          </ac:spMkLst>
-        </pc:spChg>
-        <pc:spChg chg="mod">
-          <ac:chgData name="Cory Melendez" userId="6d3e901a-8604-460e-b419-46d12b5ab316" providerId="ADAL" clId="{578B02CD-0C8E-435E-B478-C4B6D7975939}" dt="2019-05-17T18:29:34.308" v="149" actId="20577"/>
-          <ac:spMkLst>
-            <pc:docMk/>
-            <pc:sldMk cId="3276895302" sldId="256"/>
-            <ac:spMk id="3" creationId="{EB069580-9515-4CA1-99E8-D9604888B24F}"/>
-          </ac:spMkLst>
-        </pc:spChg>
-      </pc:sldChg>
-      <pc:sldChg chg="modSp add">
-        <pc:chgData name="Cory Melendez" userId="6d3e901a-8604-460e-b419-46d12b5ab316" providerId="ADAL" clId="{578B02CD-0C8E-435E-B478-C4B6D7975939}" dt="2019-05-17T19:20:30.923" v="699" actId="20577"/>
-        <pc:sldMkLst>
-          <pc:docMk/>
-          <pc:sldMk cId="2107916926" sldId="258"/>
-        </pc:sldMkLst>
-        <pc:spChg chg="mod">
-          <ac:chgData name="Cory Melendez" userId="6d3e901a-8604-460e-b419-46d12b5ab316" providerId="ADAL" clId="{578B02CD-0C8E-435E-B478-C4B6D7975939}" dt="2019-05-17T19:17:31.881" v="171" actId="20577"/>
-          <ac:spMkLst>
-            <pc:docMk/>
-            <pc:sldMk cId="2107916926" sldId="258"/>
-            <ac:spMk id="2" creationId="{2ECBD130-1D48-4AF3-A3A8-C5133E2A75A3}"/>
-          </ac:spMkLst>
-        </pc:spChg>
-        <pc:spChg chg="mod">
-          <ac:chgData name="Cory Melendez" userId="6d3e901a-8604-460e-b419-46d12b5ab316" providerId="ADAL" clId="{578B02CD-0C8E-435E-B478-C4B6D7975939}" dt="2019-05-17T19:20:30.923" v="699" actId="20577"/>
-          <ac:spMkLst>
-            <pc:docMk/>
-            <pc:sldMk cId="2107916926" sldId="258"/>
-            <ac:spMk id="3" creationId="{90753FE7-C125-47BF-A574-43D69C7586C9}"/>
-          </ac:spMkLst>
-        </pc:spChg>
       </pc:sldChg>
     </pc:docChg>
   </pc:docChgLst>
@@ -6443,11 +6443,19 @@
           <a:p>
             <a:r>
               <a:rPr lang="en-US" dirty="0"/>
-              <a:t>Be careful with Deep Copy because it has its drawbacks such as </a:t>
-            </a:r>
-            <a:r>
-              <a:rPr lang="en-US"/>
-              <a:t>execution speed</a:t>
+              <a:t>Be careful with Deep Copy because it has its drawbacks such as execution speed</a:t>
+            </a:r>
+          </a:p>
+          <a:p>
+            <a:r>
+              <a:rPr lang="en-US"/>
+              <a:t>Additional Reading: </a:t>
+            </a:r>
+            <a:r>
+              <a:rPr lang="en-US">
+                <a:hlinkClick r:id="rId2"/>
+              </a:rPr>
+              <a:t>https://www.experts-exchange.com/articles/3019/Deep-copy-Vs-Shallow-Copy-in-NET.html</a:t>
             </a:r>
             <a:endParaRPr lang="en-US" dirty="0"/>
           </a:p>
